--- a/Templates/TemplateAzureDay2024.pptx
+++ b/Templates/TemplateAzureDay2024.pptx
@@ -12,7 +12,7 @@
     <p:notesMasterId r:id="rId14"/>
   </p:notesMasterIdLst>
   <p:sldIdLst>
-    <p:sldId id="256" r:id="rId8"/>
+    <p:sldId id="265" r:id="rId8"/>
     <p:sldId id="258" r:id="rId9"/>
     <p:sldId id="259" r:id="rId10"/>
     <p:sldId id="260" r:id="rId11"/>
@@ -206,7 +206,7 @@
           <a:p>
             <a:fld id="{D33124E7-3EFB-8C46-B454-7579873DA342}" type="datetimeFigureOut">
               <a:rPr lang="it-IT" smtClean="0"/>
-              <a:t>02/06/24</a:t>
+              <a:t>05/06/24</a:t>
             </a:fld>
             <a:endParaRPr lang="it-IT"/>
           </a:p>
@@ -10656,7 +10656,7 @@
 </file>
 
 <file path=ppt/slideLayouts/slideLayout45.xml><?xml version="1.0" encoding="utf-8"?>
-<p:sldLayout xmlns:a="http://schemas.openxmlformats.org/drawingml/2006/main" xmlns:r="http://schemas.openxmlformats.org/officeDocument/2006/relationships" xmlns:p="http://schemas.openxmlformats.org/presentationml/2006/main" matchingName="Title" type="title" preserve="1">
+<p:sldLayout xmlns:a="http://schemas.openxmlformats.org/drawingml/2006/main" xmlns:r="http://schemas.openxmlformats.org/officeDocument/2006/relationships" xmlns:p="http://schemas.openxmlformats.org/presentationml/2006/main" matchingName="Title" preserve="1" userDrawn="1">
   <p:cSld name="Speaker Intro 2">
     <p:bg>
       <p:bgPr>
@@ -10692,7 +10692,7 @@
         </p:nvSpPr>
         <p:spPr>
           <a:xfrm>
-            <a:off x="3715367" y="2625167"/>
+            <a:off x="3715367" y="1552271"/>
             <a:ext cx="7812800" cy="3688400"/>
           </a:xfrm>
           <a:prstGeom prst="rect">
@@ -10867,7 +10867,7 @@
           </a:lstStyle>
           <a:p>
             <a:r>
-              <a:rPr lang="it-IT"/>
+              <a:rPr lang="it-IT" dirty="0"/>
               <a:t>Session Title</a:t>
             </a:r>
             <a:endParaRPr dirty="0"/>
@@ -10910,6 +10910,58 @@
           </a:prstGeom>
         </p:spPr>
       </p:pic>
+      <p:sp>
+        <p:nvSpPr>
+          <p:cNvPr id="5" name="Segnaposto contenuto 4">
+            <a:extLst>
+              <a:ext uri="{FF2B5EF4-FFF2-40B4-BE49-F238E27FC236}">
+                <a16:creationId xmlns:a16="http://schemas.microsoft.com/office/drawing/2014/main" id="{EEE99C7D-E16F-1979-6755-C2094BE995BE}"/>
+              </a:ext>
+            </a:extLst>
+          </p:cNvPr>
+          <p:cNvSpPr>
+            <a:spLocks noGrp="1"/>
+          </p:cNvSpPr>
+          <p:nvPr>
+            <p:ph sz="quarter" idx="10" hasCustomPrompt="1"/>
+          </p:nvPr>
+        </p:nvSpPr>
+        <p:spPr>
+          <a:xfrm>
+            <a:off x="3714750" y="5456238"/>
+            <a:ext cx="7813675" cy="925512"/>
+          </a:xfrm>
+          <a:prstGeom prst="rect">
+            <a:avLst/>
+          </a:prstGeom>
+        </p:spPr>
+        <p:txBody>
+          <a:bodyPr anchor="ctr"/>
+          <a:lstStyle>
+            <a:lvl2pPr marL="457200" indent="0" algn="r">
+              <a:buNone/>
+              <a:defRPr sz="3600">
+                <a:solidFill>
+                  <a:schemeClr val="bg1"/>
+                </a:solidFill>
+                <a:latin typeface="+mj-lt"/>
+              </a:defRPr>
+            </a:lvl2pPr>
+          </a:lstStyle>
+          <a:p>
+            <a:pPr lvl="1"/>
+            <a:r>
+              <a:rPr lang="it-IT" dirty="0"/>
+              <a:t>Name </a:t>
+            </a:r>
+            <a:r>
+              <a:rPr lang="it-IT" dirty="0" err="1"/>
+              <a:t>Lastname</a:t>
+            </a:r>
+            <a:endParaRPr lang="it-IT" dirty="0"/>
+          </a:p>
+        </p:txBody>
+      </p:sp>
     </p:spTree>
     <p:extLst>
       <p:ext uri="{BB962C8B-B14F-4D97-AF65-F5344CB8AC3E}">
@@ -14852,10 +14904,10 @@
       </p:pic>
       <p:pic>
         <p:nvPicPr>
-          <p:cNvPr id="20" name="Immagine 19">
-            <a:extLst>
-              <a:ext uri="{FF2B5EF4-FFF2-40B4-BE49-F238E27FC236}">
-                <a16:creationId xmlns:a16="http://schemas.microsoft.com/office/drawing/2014/main" id="{8BE2B814-4AB1-49BF-9E23-73C7B30928CE}"/>
+          <p:cNvPr id="21" name="Immagine 20" descr="Immagine che contiene testo, bigliettodavisita, grafica vettoriale&#10;&#10;Descrizione generata automaticamente">
+            <a:extLst>
+              <a:ext uri="{FF2B5EF4-FFF2-40B4-BE49-F238E27FC236}">
+                <a16:creationId xmlns:a16="http://schemas.microsoft.com/office/drawing/2014/main" id="{C8E6F388-7C62-4230-8DC6-8218AD2A8014}"/>
               </a:ext>
             </a:extLst>
           </p:cNvPr>
@@ -14866,42 +14918,6 @@
         </p:nvPicPr>
         <p:blipFill>
           <a:blip r:embed="rId4">
-            <a:extLst>
-              <a:ext uri="{28A0092B-C50C-407E-A947-70E740481C1C}">
-                <a14:useLocalDpi xmlns:a14="http://schemas.microsoft.com/office/drawing/2010/main" val="0"/>
-              </a:ext>
-            </a:extLst>
-          </a:blip>
-          <a:stretch>
-            <a:fillRect/>
-          </a:stretch>
-        </p:blipFill>
-        <p:spPr>
-          <a:xfrm>
-            <a:off x="12399531" y="5185981"/>
-            <a:ext cx="1175497" cy="1175497"/>
-          </a:xfrm>
-          <a:prstGeom prst="rect">
-            <a:avLst/>
-          </a:prstGeom>
-        </p:spPr>
-      </p:pic>
-      <p:pic>
-        <p:nvPicPr>
-          <p:cNvPr id="21" name="Immagine 20" descr="Immagine che contiene testo, bigliettodavisita, grafica vettoriale&#10;&#10;Descrizione generata automaticamente">
-            <a:extLst>
-              <a:ext uri="{FF2B5EF4-FFF2-40B4-BE49-F238E27FC236}">
-                <a16:creationId xmlns:a16="http://schemas.microsoft.com/office/drawing/2014/main" id="{C8E6F388-7C62-4230-8DC6-8218AD2A8014}"/>
-              </a:ext>
-            </a:extLst>
-          </p:cNvPr>
-          <p:cNvPicPr>
-            <a:picLocks noChangeAspect="1"/>
-          </p:cNvPicPr>
-          <p:nvPr userDrawn="1"/>
-        </p:nvPicPr>
-        <p:blipFill>
-          <a:blip r:embed="rId5">
             <a:extLst>
               <a:ext uri="{28A0092B-C50C-407E-A947-70E740481C1C}">
                 <a14:useLocalDpi xmlns:a14="http://schemas.microsoft.com/office/drawing/2010/main" val="0"/>
@@ -14937,7 +14953,7 @@
           <p:nvPr userDrawn="1"/>
         </p:nvPicPr>
         <p:blipFill>
-          <a:blip r:embed="rId6">
+          <a:blip r:embed="rId5">
             <a:extLst>
               <a:ext uri="{28A0092B-C50C-407E-A947-70E740481C1C}">
                 <a14:useLocalDpi xmlns:a14="http://schemas.microsoft.com/office/drawing/2010/main" val="0"/>
@@ -14973,7 +14989,7 @@
           <p:nvPr userDrawn="1"/>
         </p:nvPicPr>
         <p:blipFill>
-          <a:blip r:embed="rId7">
+          <a:blip r:embed="rId6">
             <a:extLst>
               <a:ext uri="{28A0092B-C50C-407E-A947-70E740481C1C}">
                 <a14:useLocalDpi xmlns:a14="http://schemas.microsoft.com/office/drawing/2010/main" val="0"/>
@@ -15029,7 +15045,7 @@
             <p:nvPr userDrawn="1"/>
           </p:nvPicPr>
           <p:blipFill>
-            <a:blip r:embed="rId8">
+            <a:blip r:embed="rId7">
               <a:extLst>
                 <a:ext uri="{28A0092B-C50C-407E-A947-70E740481C1C}">
                   <a14:useLocalDpi xmlns:a14="http://schemas.microsoft.com/office/drawing/2010/main" val="0"/>
@@ -15076,7 +15092,7 @@
             <p:nvPr userDrawn="1"/>
           </p:nvPicPr>
           <p:blipFill>
-            <a:blip r:embed="rId9">
+            <a:blip r:embed="rId8">
               <a:extLst>
                 <a:ext uri="{28A0092B-C50C-407E-A947-70E740481C1C}">
                   <a14:useLocalDpi xmlns:a14="http://schemas.microsoft.com/office/drawing/2010/main" val="0"/>
@@ -15123,7 +15139,7 @@
             <p:nvPr userDrawn="1"/>
           </p:nvPicPr>
           <p:blipFill>
-            <a:blip r:embed="rId10">
+            <a:blip r:embed="rId9">
               <a:extLst>
                 <a:ext uri="{28A0092B-C50C-407E-A947-70E740481C1C}">
                   <a14:useLocalDpi xmlns:a14="http://schemas.microsoft.com/office/drawing/2010/main" val="0"/>
@@ -15159,7 +15175,7 @@
             <p:nvPr userDrawn="1"/>
           </p:nvPicPr>
           <p:blipFill>
-            <a:blip r:embed="rId11">
+            <a:blip r:embed="rId10">
               <a:extLst>
                 <a:ext uri="{28A0092B-C50C-407E-A947-70E740481C1C}">
                   <a14:useLocalDpi xmlns:a14="http://schemas.microsoft.com/office/drawing/2010/main" val="0"/>
@@ -15207,7 +15223,7 @@
           <p:nvPr userDrawn="1"/>
         </p:nvPicPr>
         <p:blipFill>
-          <a:blip r:embed="rId12">
+          <a:blip r:embed="rId11">
             <a:extLst>
               <a:ext uri="{28A0092B-C50C-407E-A947-70E740481C1C}">
                 <a14:useLocalDpi xmlns:a14="http://schemas.microsoft.com/office/drawing/2010/main" val="0"/>
@@ -15254,7 +15270,7 @@
           <p:nvPr userDrawn="1"/>
         </p:nvPicPr>
         <p:blipFill>
-          <a:blip r:embed="rId13">
+          <a:blip r:embed="rId12">
             <a:extLst>
               <a:ext uri="{28A0092B-C50C-407E-A947-70E740481C1C}">
                 <a14:useLocalDpi xmlns:a14="http://schemas.microsoft.com/office/drawing/2010/main" val="0"/>
@@ -19197,10 +19213,10 @@
       </p:grpSpPr>
       <p:sp>
         <p:nvSpPr>
-          <p:cNvPr id="4" name="Titolo 3">
-            <a:extLst>
-              <a:ext uri="{FF2B5EF4-FFF2-40B4-BE49-F238E27FC236}">
-                <a16:creationId xmlns:a16="http://schemas.microsoft.com/office/drawing/2014/main" id="{85EEF748-57F5-4028-90F4-77E329679381}"/>
+          <p:cNvPr id="2" name="Titolo 1">
+            <a:extLst>
+              <a:ext uri="{FF2B5EF4-FFF2-40B4-BE49-F238E27FC236}">
+                <a16:creationId xmlns:a16="http://schemas.microsoft.com/office/drawing/2014/main" id="{815EC4BB-C8FA-978A-4ACA-F39179C60DB1}"/>
               </a:ext>
             </a:extLst>
           </p:cNvPr>
@@ -19216,17 +19232,47 @@
           <a:bodyPr/>
           <a:lstStyle/>
           <a:p>
-            <a:r>
-              <a:rPr lang="it-IT" dirty="0"/>
-              <a:t>Session Title</a:t>
-            </a:r>
+            <a:endParaRPr lang="it-IT" dirty="0"/>
+          </a:p>
+        </p:txBody>
+      </p:sp>
+      <p:sp>
+        <p:nvSpPr>
+          <p:cNvPr id="3" name="Segnaposto contenuto 2">
+            <a:extLst>
+              <a:ext uri="{FF2B5EF4-FFF2-40B4-BE49-F238E27FC236}">
+                <a16:creationId xmlns:a16="http://schemas.microsoft.com/office/drawing/2014/main" id="{12352128-D2B1-D12C-8410-1FA712ADB5FC}"/>
+              </a:ext>
+            </a:extLst>
+          </p:cNvPr>
+          <p:cNvSpPr>
+            <a:spLocks noGrp="1"/>
+          </p:cNvSpPr>
+          <p:nvPr>
+            <p:ph sz="quarter" idx="10"/>
+          </p:nvPr>
+        </p:nvSpPr>
+        <p:spPr/>
+        <p:txBody>
+          <a:bodyPr/>
+          <a:lstStyle/>
+          <a:p>
+            <a:pPr marL="0" indent="0" algn="r">
+              <a:buNone/>
+            </a:pPr>
+            <a:endParaRPr lang="it-IT" sz="3600">
+              <a:solidFill>
+                <a:schemeClr val="bg1"/>
+              </a:solidFill>
+              <a:latin typeface="+mj-lt"/>
+            </a:endParaRPr>
           </a:p>
         </p:txBody>
       </p:sp>
     </p:spTree>
     <p:extLst>
       <p:ext uri="{BB962C8B-B14F-4D97-AF65-F5344CB8AC3E}">
-        <p14:creationId xmlns:p14="http://schemas.microsoft.com/office/powerpoint/2010/main" val="4048011530"/>
+        <p14:creationId xmlns:p14="http://schemas.microsoft.com/office/powerpoint/2010/main" val="1321989844"/>
       </p:ext>
     </p:extLst>
   </p:cSld>
@@ -21719,6 +21765,15 @@
 </file>
 
 <file path=customXml/item1.xml><?xml version="1.0" encoding="utf-8"?>
+<?mso-contentType ?>
+<FormTemplates xmlns="http://schemas.microsoft.com/sharepoint/v3/contenttype/forms">
+  <Display>DocumentLibraryForm</Display>
+  <Edit>DocumentLibraryForm</Edit>
+  <New>DocumentLibraryForm</New>
+</FormTemplates>
+</file>
+
+<file path=customXml/item2.xml><?xml version="1.0" encoding="utf-8"?>
 <ct:contentTypeSchema xmlns:ct="http://schemas.microsoft.com/office/2006/metadata/contentType" xmlns:ma="http://schemas.microsoft.com/office/2006/metadata/properties/metaAttributes" ct:_="" ma:_="" ma:contentTypeName="Documento" ma:contentTypeID="0x010100FD6131E5EFD16140B6B7F4892B3B1EDF" ma:contentTypeVersion="12" ma:contentTypeDescription="Creare un nuovo documento." ma:contentTypeScope="" ma:versionID="63b5c12633394d46a5e8b3cee073cbf0">
   <xsd:schema xmlns:xsd="http://www.w3.org/2001/XMLSchema" xmlns:xs="http://www.w3.org/2001/XMLSchema" xmlns:p="http://schemas.microsoft.com/office/2006/metadata/properties" xmlns:ns2="d8121912-130d-4688-8a96-8cf2c237709c" xmlns:ns3="cef5da91-0831-42fa-860c-d84acea2b669" targetNamespace="http://schemas.microsoft.com/office/2006/metadata/properties" ma:root="true" ma:fieldsID="965fc1106bbd4197a92925fc0676d25d" ns2:_="" ns3:_="">
     <xsd:import namespace="d8121912-130d-4688-8a96-8cf2c237709c"/>
@@ -21919,16 +21974,15 @@
 </ct:contentTypeSchema>
 </file>
 
-<file path=customXml/item2.xml><?xml version="1.0" encoding="utf-8"?>
-<?mso-contentType ?>
-<FormTemplates xmlns="http://schemas.microsoft.com/sharepoint/v3/contenttype/forms">
-  <Display>DocumentLibraryForm</Display>
-  <Edit>DocumentLibraryForm</Edit>
-  <New>DocumentLibraryForm</New>
-</FormTemplates>
+<file path=customXml/itemProps1.xml><?xml version="1.0" encoding="utf-8"?>
+<ds:datastoreItem xmlns:ds="http://schemas.openxmlformats.org/officeDocument/2006/customXml" ds:itemID="{A4A8BFCE-5DAA-4E65-8EC3-6DC152FDE6FE}">
+  <ds:schemaRefs>
+    <ds:schemaRef ds:uri="http://schemas.microsoft.com/sharepoint/v3/contenttype/forms"/>
+  </ds:schemaRefs>
+</ds:datastoreItem>
 </file>
 
-<file path=customXml/itemProps1.xml><?xml version="1.0" encoding="utf-8"?>
+<file path=customXml/itemProps2.xml><?xml version="1.0" encoding="utf-8"?>
 <ds:datastoreItem xmlns:ds="http://schemas.openxmlformats.org/officeDocument/2006/customXml" ds:itemID="{ABA1150A-0BAB-4B4C-99AD-9FC2F66397E7}">
   <ds:schemaRefs>
     <ds:schemaRef ds:uri="http://schemas.microsoft.com/office/2006/metadata/contentType"/>
@@ -21947,14 +22001,6 @@
 </ds:datastoreItem>
 </file>
 
-<file path=customXml/itemProps2.xml><?xml version="1.0" encoding="utf-8"?>
-<ds:datastoreItem xmlns:ds="http://schemas.openxmlformats.org/officeDocument/2006/customXml" ds:itemID="{A4A8BFCE-5DAA-4E65-8EC3-6DC152FDE6FE}">
-  <ds:schemaRefs>
-    <ds:schemaRef ds:uri="http://schemas.microsoft.com/sharepoint/v3/contenttype/forms"/>
-  </ds:schemaRefs>
-</ds:datastoreItem>
-</file>
-
 <file path=docMetadata/LabelInfo.xml><?xml version="1.0" encoding="utf-8"?>
 <clbl:labelList xmlns:clbl="http://schemas.microsoft.com/office/2020/mipLabelMetadata">
   <clbl:label id="{f42aa342-8706-4288-bd11-ebb85995028c}" enabled="1" method="Standard" siteId="{72f988bf-86f1-41af-91ab-2d7cd011db47}" contentBits="0" removed="0"/>

--- a/Templates/TemplateAzureDay2024.pptx
+++ b/Templates/TemplateAzureDay2024.pptx
@@ -538,7 +538,7 @@
           <a:p>
             <a:fld id="{C7AFB40B-5B97-3649-8EE5-BD846163E957}" type="slidenum">
               <a:rPr lang="it-IT" smtClean="0"/>
-              <a:t>2</a:t>
+              <a:t>1</a:t>
             </a:fld>
             <a:endParaRPr lang="it-IT"/>
           </a:p>
@@ -547,7 +547,7 @@
     </p:spTree>
     <p:extLst>
       <p:ext uri="{BB962C8B-B14F-4D97-AF65-F5344CB8AC3E}">
-        <p14:creationId xmlns:p14="http://schemas.microsoft.com/office/powerpoint/2010/main" val="2470933948"/>
+        <p14:creationId xmlns:p14="http://schemas.microsoft.com/office/powerpoint/2010/main" val="2172526135"/>
       </p:ext>
     </p:extLst>
   </p:cSld>
@@ -622,7 +622,7 @@
           <a:p>
             <a:fld id="{C7AFB40B-5B97-3649-8EE5-BD846163E957}" type="slidenum">
               <a:rPr lang="it-IT" smtClean="0"/>
-              <a:t>3</a:t>
+              <a:t>2</a:t>
             </a:fld>
             <a:endParaRPr lang="it-IT"/>
           </a:p>
@@ -631,7 +631,7 @@
     </p:spTree>
     <p:extLst>
       <p:ext uri="{BB962C8B-B14F-4D97-AF65-F5344CB8AC3E}">
-        <p14:creationId xmlns:p14="http://schemas.microsoft.com/office/powerpoint/2010/main" val="1823299211"/>
+        <p14:creationId xmlns:p14="http://schemas.microsoft.com/office/powerpoint/2010/main" val="2470933948"/>
       </p:ext>
     </p:extLst>
   </p:cSld>
@@ -706,6 +706,90 @@
           <a:p>
             <a:fld id="{C7AFB40B-5B97-3649-8EE5-BD846163E957}" type="slidenum">
               <a:rPr lang="it-IT" smtClean="0"/>
+              <a:t>3</a:t>
+            </a:fld>
+            <a:endParaRPr lang="it-IT"/>
+          </a:p>
+        </p:txBody>
+      </p:sp>
+    </p:spTree>
+    <p:extLst>
+      <p:ext uri="{BB962C8B-B14F-4D97-AF65-F5344CB8AC3E}">
+        <p14:creationId xmlns:p14="http://schemas.microsoft.com/office/powerpoint/2010/main" val="1823299211"/>
+      </p:ext>
+    </p:extLst>
+  </p:cSld>
+  <p:clrMapOvr>
+    <a:masterClrMapping/>
+  </p:clrMapOvr>
+</p:notes>
+</file>
+
+<file path=ppt/notesSlides/notesSlide4.xml><?xml version="1.0" encoding="utf-8"?>
+<p:notes xmlns:a="http://schemas.openxmlformats.org/drawingml/2006/main" xmlns:r="http://schemas.openxmlformats.org/officeDocument/2006/relationships" xmlns:p="http://schemas.openxmlformats.org/presentationml/2006/main">
+  <p:cSld>
+    <p:spTree>
+      <p:nvGrpSpPr>
+        <p:cNvPr id="1" name=""/>
+        <p:cNvGrpSpPr/>
+        <p:nvPr/>
+      </p:nvGrpSpPr>
+      <p:grpSpPr>
+        <a:xfrm>
+          <a:off x="0" y="0"/>
+          <a:ext cx="0" cy="0"/>
+          <a:chOff x="0" y="0"/>
+          <a:chExt cx="0" cy="0"/>
+        </a:xfrm>
+      </p:grpSpPr>
+      <p:sp>
+        <p:nvSpPr>
+          <p:cNvPr id="2" name="Segnaposto immagine diapositiva 1"/>
+          <p:cNvSpPr>
+            <a:spLocks noGrp="1" noRot="1" noChangeAspect="1"/>
+          </p:cNvSpPr>
+          <p:nvPr>
+            <p:ph type="sldImg"/>
+          </p:nvPr>
+        </p:nvSpPr>
+        <p:spPr/>
+      </p:sp>
+      <p:sp>
+        <p:nvSpPr>
+          <p:cNvPr id="3" name="Segnaposto note 2"/>
+          <p:cNvSpPr>
+            <a:spLocks noGrp="1"/>
+          </p:cNvSpPr>
+          <p:nvPr>
+            <p:ph type="body" idx="1"/>
+          </p:nvPr>
+        </p:nvSpPr>
+        <p:spPr/>
+        <p:txBody>
+          <a:bodyPr/>
+          <a:lstStyle/>
+          <a:p>
+            <a:endParaRPr lang="it-IT"/>
+          </a:p>
+        </p:txBody>
+      </p:sp>
+      <p:sp>
+        <p:nvSpPr>
+          <p:cNvPr id="4" name="Segnaposto numero diapositiva 3"/>
+          <p:cNvSpPr>
+            <a:spLocks noGrp="1"/>
+          </p:cNvSpPr>
+          <p:nvPr>
+            <p:ph type="sldNum" sz="quarter" idx="5"/>
+          </p:nvPr>
+        </p:nvSpPr>
+        <p:spPr/>
+        <p:txBody>
+          <a:bodyPr/>
+          <a:lstStyle/>
+          <a:p>
+            <a:fld id="{C7AFB40B-5B97-3649-8EE5-BD846163E957}" type="slidenum">
+              <a:rPr lang="it-IT" smtClean="0"/>
               <a:t>4</a:t>
             </a:fld>
             <a:endParaRPr lang="it-IT"/>
@@ -725,7 +809,7 @@
 </p:notes>
 </file>
 
-<file path=ppt/notesSlides/notesSlide4.xml><?xml version="1.0" encoding="utf-8"?>
+<file path=ppt/notesSlides/notesSlide5.xml><?xml version="1.0" encoding="utf-8"?>
 <p:notes xmlns:a="http://schemas.openxmlformats.org/drawingml/2006/main" xmlns:r="http://schemas.openxmlformats.org/officeDocument/2006/relationships" xmlns:p="http://schemas.openxmlformats.org/presentationml/2006/main">
   <p:cSld>
     <p:spTree>
@@ -19232,6 +19316,14 @@
           <a:bodyPr/>
           <a:lstStyle/>
           <a:p>
+            <a:r>
+              <a:rPr lang="it-IT" dirty="0"/>
+              <a:t>Session</a:t>
+            </a:r>
+            <a:r>
+              <a:rPr lang="it-IT" baseline="0" dirty="0"/>
+              <a:t> Title</a:t>
+            </a:r>
             <a:endParaRPr lang="it-IT" dirty="0"/>
           </a:p>
         </p:txBody>
@@ -19260,7 +19352,7 @@
             <a:pPr marL="0" indent="0" algn="r">
               <a:buNone/>
             </a:pPr>
-            <a:endParaRPr lang="it-IT" sz="3600">
+            <a:endParaRPr lang="it-IT" sz="3600" dirty="0">
               <a:solidFill>
                 <a:schemeClr val="bg1"/>
               </a:solidFill>
@@ -19367,7 +19459,7 @@
             </a:extLst>
           </p:cNvPr>
           <p:cNvSpPr>
-            <a:spLocks noGrp="1"/>
+            <a:spLocks noGrp="1" noRot="1" noMove="1" noResize="1" noEditPoints="1" noAdjustHandles="1" noChangeArrowheads="1" noChangeShapeType="1"/>
           </p:cNvSpPr>
           <p:nvPr>
             <p:ph idx="1"/>
@@ -19392,7 +19484,7 @@
             </a:extLst>
           </p:cNvPr>
           <p:cNvSpPr>
-            <a:spLocks noGrp="1"/>
+            <a:spLocks noGrp="1" noRot="1" noMove="1" noResize="1" noEditPoints="1" noAdjustHandles="1" noChangeArrowheads="1" noChangeShapeType="1"/>
           </p:cNvSpPr>
           <p:nvPr>
             <p:ph type="title"/>
@@ -19507,82 +19599,9 @@
           <a:chExt cx="0" cy="0"/>
         </a:xfrm>
       </p:grpSpPr>
-      <p:sp>
-        <p:nvSpPr>
-          <p:cNvPr id="6" name="Segnaposto contenuto 5">
-            <a:extLst>
-              <a:ext uri="{FF2B5EF4-FFF2-40B4-BE49-F238E27FC236}">
-                <a16:creationId xmlns:a16="http://schemas.microsoft.com/office/drawing/2014/main" id="{2473D9E2-DEFE-412D-9A18-924B8EECBE47}"/>
-              </a:ext>
-            </a:extLst>
-          </p:cNvPr>
-          <p:cNvSpPr>
-            <a:spLocks noGrp="1"/>
-          </p:cNvSpPr>
-          <p:nvPr>
-            <p:ph idx="1"/>
-          </p:nvPr>
-        </p:nvSpPr>
-        <p:spPr>
-          <a:xfrm>
-            <a:off x="536979" y="1558262"/>
-            <a:ext cx="6164266" cy="4812324"/>
-          </a:xfrm>
-        </p:spPr>
-        <p:txBody>
-          <a:bodyPr anchor="ctr">
-            <a:normAutofit/>
-          </a:bodyPr>
-          <a:lstStyle/>
-          <a:p>
-            <a:pPr marL="0" indent="0" algn="ctr">
-              <a:buNone/>
-            </a:pPr>
-            <a:endParaRPr lang="it-IT" sz="8000" b="1" dirty="0"/>
-          </a:p>
-        </p:txBody>
-      </p:sp>
-      <p:sp>
-        <p:nvSpPr>
-          <p:cNvPr id="5" name="Titolo 4">
-            <a:extLst>
-              <a:ext uri="{FF2B5EF4-FFF2-40B4-BE49-F238E27FC236}">
-                <a16:creationId xmlns:a16="http://schemas.microsoft.com/office/drawing/2014/main" id="{8CAE0EFC-B7FF-4C7D-BF02-BDDAEA8577D3}"/>
-              </a:ext>
-            </a:extLst>
-          </p:cNvPr>
-          <p:cNvSpPr>
-            <a:spLocks noGrp="1"/>
-          </p:cNvSpPr>
-          <p:nvPr>
-            <p:ph type="title"/>
-          </p:nvPr>
-        </p:nvSpPr>
-        <p:spPr/>
-        <p:txBody>
-          <a:bodyPr>
-            <a:normAutofit fontScale="90000"/>
-          </a:bodyPr>
-          <a:lstStyle/>
-          <a:p>
-            <a:r>
-              <a:rPr lang="it-IT" dirty="0"/>
-              <a:t>Thank </a:t>
-            </a:r>
-            <a:r>
-              <a:rPr lang="it-IT" dirty="0" err="1"/>
-              <a:t>you</a:t>
-            </a:r>
-            <a:r>
-              <a:rPr lang="it-IT" dirty="0"/>
-              <a:t>!</a:t>
-            </a:r>
-          </a:p>
-        </p:txBody>
-      </p:sp>
       <p:pic>
         <p:nvPicPr>
-          <p:cNvPr id="2052" name="Picture 4">
+          <p:cNvPr id="2052" name="Picture 4" descr="QR code sessione per voto">
             <a:extLst>
               <a:ext uri="{FF2B5EF4-FFF2-40B4-BE49-F238E27FC236}">
                 <a16:creationId xmlns:a16="http://schemas.microsoft.com/office/drawing/2014/main" id="{0BC1AE9C-7B90-3937-8640-F57461F4B011}"/>
@@ -19847,7 +19866,9 @@
               </a:ext>
             </a:extLst>
           </p:cNvPr>
-          <p:cNvSpPr/>
+          <p:cNvSpPr>
+            <a:spLocks/>
+          </p:cNvSpPr>
           <p:nvPr/>
         </p:nvSpPr>
         <p:spPr>
@@ -19893,6 +19914,79 @@
                 </a:solidFill>
               </a:rPr>
               <a:t>​</a:t>
+            </a:r>
+          </a:p>
+        </p:txBody>
+      </p:sp>
+      <p:sp>
+        <p:nvSpPr>
+          <p:cNvPr id="6" name="Segnaposto contenuto 5">
+            <a:extLst>
+              <a:ext uri="{FF2B5EF4-FFF2-40B4-BE49-F238E27FC236}">
+                <a16:creationId xmlns:a16="http://schemas.microsoft.com/office/drawing/2014/main" id="{2473D9E2-DEFE-412D-9A18-924B8EECBE47}"/>
+              </a:ext>
+            </a:extLst>
+          </p:cNvPr>
+          <p:cNvSpPr>
+            <a:spLocks noGrp="1"/>
+          </p:cNvSpPr>
+          <p:nvPr>
+            <p:ph idx="1"/>
+          </p:nvPr>
+        </p:nvSpPr>
+        <p:spPr>
+          <a:xfrm>
+            <a:off x="536979" y="1558262"/>
+            <a:ext cx="6164266" cy="4812324"/>
+          </a:xfrm>
+        </p:spPr>
+        <p:txBody>
+          <a:bodyPr anchor="ctr">
+            <a:normAutofit/>
+          </a:bodyPr>
+          <a:lstStyle/>
+          <a:p>
+            <a:pPr marL="0" indent="0" algn="ctr">
+              <a:buNone/>
+            </a:pPr>
+            <a:endParaRPr lang="it-IT" sz="8000" b="1" dirty="0"/>
+          </a:p>
+        </p:txBody>
+      </p:sp>
+      <p:sp>
+        <p:nvSpPr>
+          <p:cNvPr id="5" name="Titolo 4">
+            <a:extLst>
+              <a:ext uri="{FF2B5EF4-FFF2-40B4-BE49-F238E27FC236}">
+                <a16:creationId xmlns:a16="http://schemas.microsoft.com/office/drawing/2014/main" id="{8CAE0EFC-B7FF-4C7D-BF02-BDDAEA8577D3}"/>
+              </a:ext>
+            </a:extLst>
+          </p:cNvPr>
+          <p:cNvSpPr>
+            <a:spLocks noGrp="1"/>
+          </p:cNvSpPr>
+          <p:nvPr>
+            <p:ph type="title"/>
+          </p:nvPr>
+        </p:nvSpPr>
+        <p:spPr/>
+        <p:txBody>
+          <a:bodyPr>
+            <a:normAutofit fontScale="90000"/>
+          </a:bodyPr>
+          <a:lstStyle/>
+          <a:p>
+            <a:r>
+              <a:rPr lang="it-IT" dirty="0"/>
+              <a:t>Thank </a:t>
+            </a:r>
+            <a:r>
+              <a:rPr lang="it-IT" dirty="0" err="1"/>
+              <a:t>you</a:t>
+            </a:r>
+            <a:r>
+              <a:rPr lang="it-IT" dirty="0"/>
+              <a:t>!</a:t>
             </a:r>
           </a:p>
         </p:txBody>
@@ -21765,15 +21859,6 @@
 </file>
 
 <file path=customXml/item1.xml><?xml version="1.0" encoding="utf-8"?>
-<?mso-contentType ?>
-<FormTemplates xmlns="http://schemas.microsoft.com/sharepoint/v3/contenttype/forms">
-  <Display>DocumentLibraryForm</Display>
-  <Edit>DocumentLibraryForm</Edit>
-  <New>DocumentLibraryForm</New>
-</FormTemplates>
-</file>
-
-<file path=customXml/item2.xml><?xml version="1.0" encoding="utf-8"?>
 <ct:contentTypeSchema xmlns:ct="http://schemas.microsoft.com/office/2006/metadata/contentType" xmlns:ma="http://schemas.microsoft.com/office/2006/metadata/properties/metaAttributes" ct:_="" ma:_="" ma:contentTypeName="Documento" ma:contentTypeID="0x010100FD6131E5EFD16140B6B7F4892B3B1EDF" ma:contentTypeVersion="12" ma:contentTypeDescription="Creare un nuovo documento." ma:contentTypeScope="" ma:versionID="63b5c12633394d46a5e8b3cee073cbf0">
   <xsd:schema xmlns:xsd="http://www.w3.org/2001/XMLSchema" xmlns:xs="http://www.w3.org/2001/XMLSchema" xmlns:p="http://schemas.microsoft.com/office/2006/metadata/properties" xmlns:ns2="d8121912-130d-4688-8a96-8cf2c237709c" xmlns:ns3="cef5da91-0831-42fa-860c-d84acea2b669" targetNamespace="http://schemas.microsoft.com/office/2006/metadata/properties" ma:root="true" ma:fieldsID="965fc1106bbd4197a92925fc0676d25d" ns2:_="" ns3:_="">
     <xsd:import namespace="d8121912-130d-4688-8a96-8cf2c237709c"/>
@@ -21974,15 +22059,16 @@
 </ct:contentTypeSchema>
 </file>
 
-<file path=customXml/itemProps1.xml><?xml version="1.0" encoding="utf-8"?>
-<ds:datastoreItem xmlns:ds="http://schemas.openxmlformats.org/officeDocument/2006/customXml" ds:itemID="{A4A8BFCE-5DAA-4E65-8EC3-6DC152FDE6FE}">
-  <ds:schemaRefs>
-    <ds:schemaRef ds:uri="http://schemas.microsoft.com/sharepoint/v3/contenttype/forms"/>
-  </ds:schemaRefs>
-</ds:datastoreItem>
+<file path=customXml/item2.xml><?xml version="1.0" encoding="utf-8"?>
+<?mso-contentType ?>
+<FormTemplates xmlns="http://schemas.microsoft.com/sharepoint/v3/contenttype/forms">
+  <Display>DocumentLibraryForm</Display>
+  <Edit>DocumentLibraryForm</Edit>
+  <New>DocumentLibraryForm</New>
+</FormTemplates>
 </file>
 
-<file path=customXml/itemProps2.xml><?xml version="1.0" encoding="utf-8"?>
+<file path=customXml/itemProps1.xml><?xml version="1.0" encoding="utf-8"?>
 <ds:datastoreItem xmlns:ds="http://schemas.openxmlformats.org/officeDocument/2006/customXml" ds:itemID="{ABA1150A-0BAB-4B4C-99AD-9FC2F66397E7}">
   <ds:schemaRefs>
     <ds:schemaRef ds:uri="http://schemas.microsoft.com/office/2006/metadata/contentType"/>
@@ -22001,6 +22087,14 @@
 </ds:datastoreItem>
 </file>
 
+<file path=customXml/itemProps2.xml><?xml version="1.0" encoding="utf-8"?>
+<ds:datastoreItem xmlns:ds="http://schemas.openxmlformats.org/officeDocument/2006/customXml" ds:itemID="{A4A8BFCE-5DAA-4E65-8EC3-6DC152FDE6FE}">
+  <ds:schemaRefs>
+    <ds:schemaRef ds:uri="http://schemas.microsoft.com/sharepoint/v3/contenttype/forms"/>
+  </ds:schemaRefs>
+</ds:datastoreItem>
+</file>
+
 <file path=docMetadata/LabelInfo.xml><?xml version="1.0" encoding="utf-8"?>
 <clbl:labelList xmlns:clbl="http://schemas.microsoft.com/office/2020/mipLabelMetadata">
   <clbl:label id="{f42aa342-8706-4288-bd11-ebb85995028c}" enabled="1" method="Standard" siteId="{72f988bf-86f1-41af-91ab-2d7cd011db47}" contentBits="0" removed="0"/>
